--- a/noogaJS Slide Deck - MEAN Stack on the Mac.pptx
+++ b/noogaJS Slide Deck - MEAN Stack on the Mac.pptx
@@ -3809,7 +3809,7 @@
             <a:fld id="{8ACDB3CC-F982-40F9-8DD6-BCC9AFBF44BD}" type="datetime1">
               <a:rPr lang="en-US" smtClean="0"/>
               <a:pPr/>
-              <a:t>10/20/14</a:t>
+              <a:t>10/21/14</a:t>
             </a:fld>
             <a:endParaRPr lang="en-US" dirty="0"/>
           </a:p>
@@ -4037,7 +4037,7 @@
             <a:fld id="{F7371C1A-CAFA-43FD-A579-55B116A1448A}" type="datetime1">
               <a:rPr lang="en-US" smtClean="0"/>
               <a:pPr/>
-              <a:t>10/20/14</a:t>
+              <a:t>10/21/14</a:t>
             </a:fld>
             <a:endParaRPr lang="en-US"/>
           </a:p>
@@ -4214,7 +4214,7 @@
             <a:fld id="{FDA1BC03-21BF-4F6B-A3BE-29C937D452B1}" type="datetime1">
               <a:rPr lang="en-US" smtClean="0"/>
               <a:pPr/>
-              <a:t>10/20/14</a:t>
+              <a:t>10/21/14</a:t>
             </a:fld>
             <a:endParaRPr lang="en-US"/>
           </a:p>
@@ -4381,7 +4381,7 @@
             <a:fld id="{F3008867-0964-49C4-9DE5-8FBB189497BC}" type="datetime1">
               <a:rPr lang="en-US" smtClean="0"/>
               <a:pPr/>
-              <a:t>10/20/14</a:t>
+              <a:t>10/21/14</a:t>
             </a:fld>
             <a:endParaRPr lang="en-US"/>
           </a:p>
@@ -4624,7 +4624,7 @@
             <a:fld id="{64DDAE5B-B07C-441A-8026-C23A427A74DC}" type="datetime1">
               <a:rPr lang="en-US" smtClean="0"/>
               <a:pPr/>
-              <a:t>10/20/14</a:t>
+              <a:t>10/21/14</a:t>
             </a:fld>
             <a:endParaRPr lang="en-US"/>
           </a:p>
@@ -4739,7 +4739,7 @@
             <a:fld id="{4151D5B8-D9C5-419F-913D-2186935717ED}" type="datetime1">
               <a:rPr lang="en-US" smtClean="0"/>
               <a:pPr/>
-              <a:t>10/20/14</a:t>
+              <a:t>10/21/14</a:t>
             </a:fld>
             <a:endParaRPr lang="en-US"/>
           </a:p>
@@ -5118,7 +5118,7 @@
             <a:fld id="{586F952F-F888-4FB8-9CB7-51D5F02FA3C8}" type="datetime1">
               <a:rPr lang="en-US" smtClean="0"/>
               <a:pPr/>
-              <a:t>10/20/14</a:t>
+              <a:t>10/21/14</a:t>
             </a:fld>
             <a:endParaRPr lang="en-US"/>
           </a:p>
@@ -10765,7 +10765,7 @@
             <a:fld id="{2188DB32-6162-43C0-9325-230E0A9B0177}" type="datetime1">
               <a:rPr lang="en-US" smtClean="0"/>
               <a:pPr/>
-              <a:t>10/20/14</a:t>
+              <a:t>10/21/14</a:t>
             </a:fld>
             <a:endParaRPr lang="en-US"/>
           </a:p>
@@ -10857,7 +10857,7 @@
             <a:fld id="{AF219B57-0E9E-4DE4-A7F5-9A169EF1CEE0}" type="datetime1">
               <a:rPr lang="en-US" smtClean="0"/>
               <a:pPr/>
-              <a:t>10/20/14</a:t>
+              <a:t>10/21/14</a:t>
             </a:fld>
             <a:endParaRPr lang="en-US"/>
           </a:p>
@@ -11131,7 +11131,7 @@
             <a:fld id="{74F8F86C-0F1B-4333-B99B-B3B2B1F87225}" type="datetime1">
               <a:rPr lang="en-US" smtClean="0"/>
               <a:pPr/>
-              <a:t>10/20/14</a:t>
+              <a:t>10/21/14</a:t>
             </a:fld>
             <a:endParaRPr lang="en-US"/>
           </a:p>
@@ -11441,7 +11441,7 @@
             <a:fld id="{40D7FCD9-7699-43D6-8D62-436E2DD234FF}" type="datetime1">
               <a:rPr lang="en-US" smtClean="0"/>
               <a:pPr/>
-              <a:t>10/20/14</a:t>
+              <a:t>10/21/14</a:t>
             </a:fld>
             <a:endParaRPr lang="en-US"/>
           </a:p>
@@ -11680,7 +11680,7 @@
             <a:fld id="{610FC3EB-42FB-4C38-8CAE-7A1293B83421}" type="datetime1">
               <a:rPr lang="en-US" smtClean="0"/>
               <a:pPr/>
-              <a:t>10/20/14</a:t>
+              <a:t>10/21/14</a:t>
             </a:fld>
             <a:endParaRPr lang="en-US" dirty="0"/>
           </a:p>
@@ -14016,7 +14016,18 @@
           <a:p>
             <a:r>
               <a:rPr lang="en-US" dirty="0" smtClean="0"/>
-              <a:t>NEAT stack</a:t>
+              <a:t>NEAT </a:t>
+            </a:r>
+            <a:r>
+              <a:rPr lang="en-US" dirty="0" smtClean="0"/>
+              <a:t>stack</a:t>
+            </a:r>
+            <a:br>
+              <a:rPr lang="en-US" dirty="0" smtClean="0"/>
+            </a:br>
+            <a:r>
+              <a:rPr lang="en-US" dirty="0" smtClean="0"/>
+              <a:t>© 2014 Joe France</a:t>
             </a:r>
             <a:endParaRPr lang="en-US" dirty="0"/>
           </a:p>
